--- a/etc/architecture.pptx
+++ b/etc/architecture.pptx
@@ -104,6 +104,11 @@
       </a:defRPr>
     </a:lvl9pPr>
   </p:defaultTextStyle>
+  <p:extLst>
+    <p:ext uri="{EFAFB233-063F-42B5-8137-9DF3F51BA10A}">
+      <p15:sldGuideLst xmlns:p15="http://schemas.microsoft.com/office/powerpoint/2012/main"/>
+    </p:ext>
+  </p:extLst>
 </p:presentation>
 </file>
 
@@ -254,7 +259,7 @@
           <a:p>
             <a:fld id="{8CC40D21-C239-8844-BBCB-567F6C8A4FA7}" type="datetimeFigureOut">
               <a:rPr kumimoji="1" lang="ko-KR" altLang="en-US" smtClean="0"/>
-              <a:t>2022. 9. 21.</a:t>
+              <a:t>2022. 9. 26.</a:t>
             </a:fld>
             <a:endParaRPr kumimoji="1" lang="ko-KR" altLang="en-US"/>
           </a:p>
@@ -427,7 +432,7 @@
           <a:p>
             <a:fld id="{8CC40D21-C239-8844-BBCB-567F6C8A4FA7}" type="datetimeFigureOut">
               <a:rPr kumimoji="1" lang="ko-KR" altLang="en-US" smtClean="0"/>
-              <a:t>2022. 9. 21.</a:t>
+              <a:t>2022. 9. 26.</a:t>
             </a:fld>
             <a:endParaRPr kumimoji="1" lang="ko-KR" altLang="en-US"/>
           </a:p>
@@ -610,7 +615,7 @@
           <a:p>
             <a:fld id="{8CC40D21-C239-8844-BBCB-567F6C8A4FA7}" type="datetimeFigureOut">
               <a:rPr kumimoji="1" lang="ko-KR" altLang="en-US" smtClean="0"/>
-              <a:t>2022. 9. 21.</a:t>
+              <a:t>2022. 9. 26.</a:t>
             </a:fld>
             <a:endParaRPr kumimoji="1" lang="ko-KR" altLang="en-US"/>
           </a:p>
@@ -783,7 +788,7 @@
           <a:p>
             <a:fld id="{8CC40D21-C239-8844-BBCB-567F6C8A4FA7}" type="datetimeFigureOut">
               <a:rPr kumimoji="1" lang="ko-KR" altLang="en-US" smtClean="0"/>
-              <a:t>2022. 9. 21.</a:t>
+              <a:t>2022. 9. 26.</a:t>
             </a:fld>
             <a:endParaRPr kumimoji="1" lang="ko-KR" altLang="en-US"/>
           </a:p>
@@ -1061,7 +1066,7 @@
           <a:p>
             <a:fld id="{8CC40D21-C239-8844-BBCB-567F6C8A4FA7}" type="datetimeFigureOut">
               <a:rPr kumimoji="1" lang="ko-KR" altLang="en-US" smtClean="0"/>
-              <a:t>2022. 9. 21.</a:t>
+              <a:t>2022. 9. 26.</a:t>
             </a:fld>
             <a:endParaRPr kumimoji="1" lang="ko-KR" altLang="en-US"/>
           </a:p>
@@ -1276,7 +1281,7 @@
           <a:p>
             <a:fld id="{8CC40D21-C239-8844-BBCB-567F6C8A4FA7}" type="datetimeFigureOut">
               <a:rPr kumimoji="1" lang="ko-KR" altLang="en-US" smtClean="0"/>
-              <a:t>2022. 9. 21.</a:t>
+              <a:t>2022. 9. 26.</a:t>
             </a:fld>
             <a:endParaRPr kumimoji="1" lang="ko-KR" altLang="en-US"/>
           </a:p>
@@ -1644,7 +1649,7 @@
           <a:p>
             <a:fld id="{8CC40D21-C239-8844-BBCB-567F6C8A4FA7}" type="datetimeFigureOut">
               <a:rPr kumimoji="1" lang="ko-KR" altLang="en-US" smtClean="0"/>
-              <a:t>2022. 9. 21.</a:t>
+              <a:t>2022. 9. 26.</a:t>
             </a:fld>
             <a:endParaRPr kumimoji="1" lang="ko-KR" altLang="en-US"/>
           </a:p>
@@ -1785,7 +1790,7 @@
           <a:p>
             <a:fld id="{8CC40D21-C239-8844-BBCB-567F6C8A4FA7}" type="datetimeFigureOut">
               <a:rPr kumimoji="1" lang="ko-KR" altLang="en-US" smtClean="0"/>
-              <a:t>2022. 9. 21.</a:t>
+              <a:t>2022. 9. 26.</a:t>
             </a:fld>
             <a:endParaRPr kumimoji="1" lang="ko-KR" altLang="en-US"/>
           </a:p>
@@ -1898,7 +1903,7 @@
           <a:p>
             <a:fld id="{8CC40D21-C239-8844-BBCB-567F6C8A4FA7}" type="datetimeFigureOut">
               <a:rPr kumimoji="1" lang="ko-KR" altLang="en-US" smtClean="0"/>
-              <a:t>2022. 9. 21.</a:t>
+              <a:t>2022. 9. 26.</a:t>
             </a:fld>
             <a:endParaRPr kumimoji="1" lang="ko-KR" altLang="en-US"/>
           </a:p>
@@ -2187,7 +2192,7 @@
           <a:p>
             <a:fld id="{8CC40D21-C239-8844-BBCB-567F6C8A4FA7}" type="datetimeFigureOut">
               <a:rPr kumimoji="1" lang="ko-KR" altLang="en-US" smtClean="0"/>
-              <a:t>2022. 9. 21.</a:t>
+              <a:t>2022. 9. 26.</a:t>
             </a:fld>
             <a:endParaRPr kumimoji="1" lang="ko-KR" altLang="en-US"/>
           </a:p>
@@ -2478,7 +2483,7 @@
           <a:p>
             <a:fld id="{8CC40D21-C239-8844-BBCB-567F6C8A4FA7}" type="datetimeFigureOut">
               <a:rPr kumimoji="1" lang="ko-KR" altLang="en-US" smtClean="0"/>
-              <a:t>2022. 9. 21.</a:t>
+              <a:t>2022. 9. 26.</a:t>
             </a:fld>
             <a:endParaRPr kumimoji="1" lang="ko-KR" altLang="en-US"/>
           </a:p>
@@ -2694,7 +2699,7 @@
           <a:p>
             <a:fld id="{8CC40D21-C239-8844-BBCB-567F6C8A4FA7}" type="datetimeFigureOut">
               <a:rPr kumimoji="1" lang="ko-KR" altLang="en-US" smtClean="0"/>
-              <a:t>2022. 9. 21.</a:t>
+              <a:t>2022. 9. 26.</a:t>
             </a:fld>
             <a:endParaRPr kumimoji="1" lang="ko-KR" altLang="en-US"/>
           </a:p>
@@ -3259,7 +3264,7 @@
         </p:blipFill>
         <p:spPr>
           <a:xfrm>
-            <a:off x="3319885" y="3385747"/>
+            <a:off x="4073428" y="3412029"/>
             <a:ext cx="972345" cy="483115"/>
           </a:xfrm>
           <a:prstGeom prst="rect">
@@ -3349,7 +3354,7 @@
         </p:blipFill>
         <p:spPr>
           <a:xfrm>
-            <a:off x="5558966" y="3349807"/>
+            <a:off x="6312509" y="3376089"/>
             <a:ext cx="1136142" cy="594581"/>
           </a:xfrm>
           <a:prstGeom prst="rect">
@@ -3373,8 +3378,8 @@
         </p:nvCxnSpPr>
         <p:spPr>
           <a:xfrm>
-            <a:off x="3806057" y="2638937"/>
-            <a:ext cx="0" cy="536747"/>
+            <a:off x="4343400" y="2643704"/>
+            <a:ext cx="216200" cy="558262"/>
           </a:xfrm>
           <a:prstGeom prst="straightConnector1">
             <a:avLst/>
@@ -3503,7 +3508,7 @@
         </p:nvCxnSpPr>
         <p:spPr>
           <a:xfrm>
-            <a:off x="4563046" y="3627304"/>
+            <a:off x="5316589" y="3653586"/>
             <a:ext cx="725105" cy="0"/>
           </a:xfrm>
           <a:prstGeom prst="straightConnector1">
@@ -3545,7 +3550,7 @@
         </p:nvSpPr>
         <p:spPr>
           <a:xfrm>
-            <a:off x="3806057" y="2763689"/>
+            <a:off x="4451500" y="2703664"/>
             <a:ext cx="412292" cy="246221"/>
           </a:xfrm>
           <a:prstGeom prst="rect">
@@ -3581,7 +3586,7 @@
         </p:nvSpPr>
         <p:spPr>
           <a:xfrm>
-            <a:off x="4729871" y="3349807"/>
+            <a:off x="5483414" y="3376089"/>
             <a:ext cx="391454" cy="246221"/>
           </a:xfrm>
           <a:prstGeom prst="rect">
@@ -3633,6 +3638,259 @@
           </a:prstGeom>
         </p:spPr>
       </p:pic>
+      <p:pic>
+        <p:nvPicPr>
+          <p:cNvPr id="2" name="그림 1">
+            <a:extLst>
+              <a:ext uri="{FF2B5EF4-FFF2-40B4-BE49-F238E27FC236}">
+                <a16:creationId xmlns:a16="http://schemas.microsoft.com/office/drawing/2014/main" id="{E8F32E96-6684-C74A-ACAD-42B38E0EEDB9}"/>
+              </a:ext>
+            </a:extLst>
+          </p:cNvPr>
+          <p:cNvPicPr>
+            <a:picLocks noChangeAspect="1"/>
+          </p:cNvPicPr>
+          <p:nvPr/>
+        </p:nvPicPr>
+        <p:blipFill>
+          <a:blip r:embed="rId7"/>
+          <a:stretch>
+            <a:fillRect/>
+          </a:stretch>
+        </p:blipFill>
+        <p:spPr>
+          <a:xfrm>
+            <a:off x="3352763" y="2527023"/>
+            <a:ext cx="618916" cy="233362"/>
+          </a:xfrm>
+          <a:prstGeom prst="rect">
+            <a:avLst/>
+          </a:prstGeom>
+        </p:spPr>
+      </p:pic>
+      <p:cxnSp>
+        <p:nvCxnSpPr>
+          <p:cNvPr id="20" name="직선 화살표 연결선 19">
+            <a:extLst>
+              <a:ext uri="{FF2B5EF4-FFF2-40B4-BE49-F238E27FC236}">
+                <a16:creationId xmlns:a16="http://schemas.microsoft.com/office/drawing/2014/main" id="{A01300C0-0DD5-2541-A6BE-30E545B18571}"/>
+              </a:ext>
+            </a:extLst>
+          </p:cNvPr>
+          <p:cNvCxnSpPr>
+            <a:cxnSpLocks/>
+          </p:cNvCxnSpPr>
+          <p:nvPr/>
+        </p:nvCxnSpPr>
+        <p:spPr>
+          <a:xfrm flipH="1">
+            <a:off x="3388411" y="2837431"/>
+            <a:ext cx="121354" cy="364535"/>
+          </a:xfrm>
+          <a:prstGeom prst="straightConnector1">
+            <a:avLst/>
+          </a:prstGeom>
+          <a:ln>
+            <a:solidFill>
+              <a:schemeClr val="tx1"/>
+            </a:solidFill>
+            <a:tailEnd type="triangle"/>
+          </a:ln>
+        </p:spPr>
+        <p:style>
+          <a:lnRef idx="1">
+            <a:schemeClr val="accent1"/>
+          </a:lnRef>
+          <a:fillRef idx="0">
+            <a:schemeClr val="accent1"/>
+          </a:fillRef>
+          <a:effectRef idx="0">
+            <a:schemeClr val="accent1"/>
+          </a:effectRef>
+          <a:fontRef idx="minor">
+            <a:schemeClr val="tx1"/>
+          </a:fontRef>
+        </p:style>
+      </p:cxnSp>
+      <p:pic>
+        <p:nvPicPr>
+          <p:cNvPr id="28" name="그림 27">
+            <a:extLst>
+              <a:ext uri="{FF2B5EF4-FFF2-40B4-BE49-F238E27FC236}">
+                <a16:creationId xmlns:a16="http://schemas.microsoft.com/office/drawing/2014/main" id="{2570CAAD-D391-E84C-9AA3-02E8F57158FD}"/>
+              </a:ext>
+            </a:extLst>
+          </p:cNvPr>
+          <p:cNvPicPr>
+            <a:picLocks noChangeAspect="1"/>
+          </p:cNvPicPr>
+          <p:nvPr/>
+        </p:nvPicPr>
+        <p:blipFill>
+          <a:blip r:embed="rId8"/>
+          <a:stretch>
+            <a:fillRect/>
+          </a:stretch>
+        </p:blipFill>
+        <p:spPr>
+          <a:xfrm>
+            <a:off x="1627098" y="3279012"/>
+            <a:ext cx="395635" cy="496887"/>
+          </a:xfrm>
+          <a:prstGeom prst="rect">
+            <a:avLst/>
+          </a:prstGeom>
+        </p:spPr>
+      </p:pic>
+      <p:pic>
+        <p:nvPicPr>
+          <p:cNvPr id="30" name="그림 29">
+            <a:extLst>
+              <a:ext uri="{FF2B5EF4-FFF2-40B4-BE49-F238E27FC236}">
+                <a16:creationId xmlns:a16="http://schemas.microsoft.com/office/drawing/2014/main" id="{41FD002A-75B4-4440-A628-79335142416C}"/>
+              </a:ext>
+            </a:extLst>
+          </p:cNvPr>
+          <p:cNvPicPr>
+            <a:picLocks noChangeAspect="1"/>
+          </p:cNvPicPr>
+          <p:nvPr/>
+        </p:nvPicPr>
+        <p:blipFill>
+          <a:blip r:embed="rId9"/>
+          <a:stretch>
+            <a:fillRect/>
+          </a:stretch>
+        </p:blipFill>
+        <p:spPr>
+          <a:xfrm>
+            <a:off x="2391654" y="3279012"/>
+            <a:ext cx="501620" cy="482401"/>
+          </a:xfrm>
+          <a:prstGeom prst="rect">
+            <a:avLst/>
+          </a:prstGeom>
+        </p:spPr>
+      </p:pic>
+      <p:pic>
+        <p:nvPicPr>
+          <p:cNvPr id="32" name="그림 31">
+            <a:extLst>
+              <a:ext uri="{FF2B5EF4-FFF2-40B4-BE49-F238E27FC236}">
+                <a16:creationId xmlns:a16="http://schemas.microsoft.com/office/drawing/2014/main" id="{FABA8CE3-D368-B140-AB0C-4906B3EF7528}"/>
+              </a:ext>
+            </a:extLst>
+          </p:cNvPr>
+          <p:cNvPicPr>
+            <a:picLocks noChangeAspect="1"/>
+          </p:cNvPicPr>
+          <p:nvPr/>
+        </p:nvPicPr>
+        <p:blipFill>
+          <a:blip r:embed="rId10"/>
+          <a:stretch>
+            <a:fillRect/>
+          </a:stretch>
+        </p:blipFill>
+        <p:spPr>
+          <a:xfrm>
+            <a:off x="3175687" y="3279012"/>
+            <a:ext cx="418918" cy="478763"/>
+          </a:xfrm>
+          <a:prstGeom prst="rect">
+            <a:avLst/>
+          </a:prstGeom>
+        </p:spPr>
+      </p:pic>
+      <p:cxnSp>
+        <p:nvCxnSpPr>
+          <p:cNvPr id="33" name="직선 화살표 연결선 32">
+            <a:extLst>
+              <a:ext uri="{FF2B5EF4-FFF2-40B4-BE49-F238E27FC236}">
+                <a16:creationId xmlns:a16="http://schemas.microsoft.com/office/drawing/2014/main" id="{83E862DD-5B87-4942-A6C4-BDAEDB54E089}"/>
+              </a:ext>
+            </a:extLst>
+          </p:cNvPr>
+          <p:cNvCxnSpPr>
+            <a:cxnSpLocks/>
+          </p:cNvCxnSpPr>
+          <p:nvPr/>
+        </p:nvCxnSpPr>
+        <p:spPr>
+          <a:xfrm flipH="1">
+            <a:off x="2861777" y="3527456"/>
+            <a:ext cx="158488" cy="0"/>
+          </a:xfrm>
+          <a:prstGeom prst="straightConnector1">
+            <a:avLst/>
+          </a:prstGeom>
+          <a:ln>
+            <a:solidFill>
+              <a:schemeClr val="tx1"/>
+            </a:solidFill>
+            <a:tailEnd type="triangle"/>
+          </a:ln>
+        </p:spPr>
+        <p:style>
+          <a:lnRef idx="1">
+            <a:schemeClr val="accent1"/>
+          </a:lnRef>
+          <a:fillRef idx="0">
+            <a:schemeClr val="accent1"/>
+          </a:fillRef>
+          <a:effectRef idx="0">
+            <a:schemeClr val="accent1"/>
+          </a:effectRef>
+          <a:fontRef idx="minor">
+            <a:schemeClr val="tx1"/>
+          </a:fontRef>
+        </p:style>
+      </p:cxnSp>
+      <p:cxnSp>
+        <p:nvCxnSpPr>
+          <p:cNvPr id="35" name="직선 화살표 연결선 34">
+            <a:extLst>
+              <a:ext uri="{FF2B5EF4-FFF2-40B4-BE49-F238E27FC236}">
+                <a16:creationId xmlns:a16="http://schemas.microsoft.com/office/drawing/2014/main" id="{9E3B515D-4524-0948-BA6E-E7496FF419F8}"/>
+              </a:ext>
+            </a:extLst>
+          </p:cNvPr>
+          <p:cNvCxnSpPr>
+            <a:cxnSpLocks/>
+            <a:endCxn id="28" idx="3"/>
+          </p:cNvCxnSpPr>
+          <p:nvPr/>
+        </p:nvCxnSpPr>
+        <p:spPr>
+          <a:xfrm flipH="1">
+            <a:off x="2022733" y="3527456"/>
+            <a:ext cx="241930" cy="0"/>
+          </a:xfrm>
+          <a:prstGeom prst="straightConnector1">
+            <a:avLst/>
+          </a:prstGeom>
+          <a:ln>
+            <a:solidFill>
+              <a:schemeClr val="tx1"/>
+            </a:solidFill>
+            <a:tailEnd type="triangle"/>
+          </a:ln>
+        </p:spPr>
+        <p:style>
+          <a:lnRef idx="1">
+            <a:schemeClr val="accent1"/>
+          </a:lnRef>
+          <a:fillRef idx="0">
+            <a:schemeClr val="accent1"/>
+          </a:fillRef>
+          <a:effectRef idx="0">
+            <a:schemeClr val="accent1"/>
+          </a:effectRef>
+          <a:fontRef idx="minor">
+            <a:schemeClr val="tx1"/>
+          </a:fontRef>
+        </p:style>
+      </p:cxnSp>
     </p:spTree>
     <p:extLst>
       <p:ext uri="{BB962C8B-B14F-4D97-AF65-F5344CB8AC3E}">

--- a/etc/architecture.pptx
+++ b/etc/architecture.pptx
@@ -259,7 +259,7 @@
           <a:p>
             <a:fld id="{8CC40D21-C239-8844-BBCB-567F6C8A4FA7}" type="datetimeFigureOut">
               <a:rPr kumimoji="1" lang="ko-KR" altLang="en-US" smtClean="0"/>
-              <a:t>2022. 9. 26.</a:t>
+              <a:t>2022. 10. 17.</a:t>
             </a:fld>
             <a:endParaRPr kumimoji="1" lang="ko-KR" altLang="en-US"/>
           </a:p>
@@ -432,7 +432,7 @@
           <a:p>
             <a:fld id="{8CC40D21-C239-8844-BBCB-567F6C8A4FA7}" type="datetimeFigureOut">
               <a:rPr kumimoji="1" lang="ko-KR" altLang="en-US" smtClean="0"/>
-              <a:t>2022. 9. 26.</a:t>
+              <a:t>2022. 10. 17.</a:t>
             </a:fld>
             <a:endParaRPr kumimoji="1" lang="ko-KR" altLang="en-US"/>
           </a:p>
@@ -615,7 +615,7 @@
           <a:p>
             <a:fld id="{8CC40D21-C239-8844-BBCB-567F6C8A4FA7}" type="datetimeFigureOut">
               <a:rPr kumimoji="1" lang="ko-KR" altLang="en-US" smtClean="0"/>
-              <a:t>2022. 9. 26.</a:t>
+              <a:t>2022. 10. 17.</a:t>
             </a:fld>
             <a:endParaRPr kumimoji="1" lang="ko-KR" altLang="en-US"/>
           </a:p>
@@ -788,7 +788,7 @@
           <a:p>
             <a:fld id="{8CC40D21-C239-8844-BBCB-567F6C8A4FA7}" type="datetimeFigureOut">
               <a:rPr kumimoji="1" lang="ko-KR" altLang="en-US" smtClean="0"/>
-              <a:t>2022. 9. 26.</a:t>
+              <a:t>2022. 10. 17.</a:t>
             </a:fld>
             <a:endParaRPr kumimoji="1" lang="ko-KR" altLang="en-US"/>
           </a:p>
@@ -1066,7 +1066,7 @@
           <a:p>
             <a:fld id="{8CC40D21-C239-8844-BBCB-567F6C8A4FA7}" type="datetimeFigureOut">
               <a:rPr kumimoji="1" lang="ko-KR" altLang="en-US" smtClean="0"/>
-              <a:t>2022. 9. 26.</a:t>
+              <a:t>2022. 10. 17.</a:t>
             </a:fld>
             <a:endParaRPr kumimoji="1" lang="ko-KR" altLang="en-US"/>
           </a:p>
@@ -1281,7 +1281,7 @@
           <a:p>
             <a:fld id="{8CC40D21-C239-8844-BBCB-567F6C8A4FA7}" type="datetimeFigureOut">
               <a:rPr kumimoji="1" lang="ko-KR" altLang="en-US" smtClean="0"/>
-              <a:t>2022. 9. 26.</a:t>
+              <a:t>2022. 10. 17.</a:t>
             </a:fld>
             <a:endParaRPr kumimoji="1" lang="ko-KR" altLang="en-US"/>
           </a:p>
@@ -1649,7 +1649,7 @@
           <a:p>
             <a:fld id="{8CC40D21-C239-8844-BBCB-567F6C8A4FA7}" type="datetimeFigureOut">
               <a:rPr kumimoji="1" lang="ko-KR" altLang="en-US" smtClean="0"/>
-              <a:t>2022. 9. 26.</a:t>
+              <a:t>2022. 10. 17.</a:t>
             </a:fld>
             <a:endParaRPr kumimoji="1" lang="ko-KR" altLang="en-US"/>
           </a:p>
@@ -1790,7 +1790,7 @@
           <a:p>
             <a:fld id="{8CC40D21-C239-8844-BBCB-567F6C8A4FA7}" type="datetimeFigureOut">
               <a:rPr kumimoji="1" lang="ko-KR" altLang="en-US" smtClean="0"/>
-              <a:t>2022. 9. 26.</a:t>
+              <a:t>2022. 10. 17.</a:t>
             </a:fld>
             <a:endParaRPr kumimoji="1" lang="ko-KR" altLang="en-US"/>
           </a:p>
@@ -1903,7 +1903,7 @@
           <a:p>
             <a:fld id="{8CC40D21-C239-8844-BBCB-567F6C8A4FA7}" type="datetimeFigureOut">
               <a:rPr kumimoji="1" lang="ko-KR" altLang="en-US" smtClean="0"/>
-              <a:t>2022. 9. 26.</a:t>
+              <a:t>2022. 10. 17.</a:t>
             </a:fld>
             <a:endParaRPr kumimoji="1" lang="ko-KR" altLang="en-US"/>
           </a:p>
@@ -2192,7 +2192,7 @@
           <a:p>
             <a:fld id="{8CC40D21-C239-8844-BBCB-567F6C8A4FA7}" type="datetimeFigureOut">
               <a:rPr kumimoji="1" lang="ko-KR" altLang="en-US" smtClean="0"/>
-              <a:t>2022. 9. 26.</a:t>
+              <a:t>2022. 10. 17.</a:t>
             </a:fld>
             <a:endParaRPr kumimoji="1" lang="ko-KR" altLang="en-US"/>
           </a:p>
@@ -2483,7 +2483,7 @@
           <a:p>
             <a:fld id="{8CC40D21-C239-8844-BBCB-567F6C8A4FA7}" type="datetimeFigureOut">
               <a:rPr kumimoji="1" lang="ko-KR" altLang="en-US" smtClean="0"/>
-              <a:t>2022. 9. 26.</a:t>
+              <a:t>2022. 10. 17.</a:t>
             </a:fld>
             <a:endParaRPr kumimoji="1" lang="ko-KR" altLang="en-US"/>
           </a:p>
@@ -2699,7 +2699,7 @@
           <a:p>
             <a:fld id="{8CC40D21-C239-8844-BBCB-567F6C8A4FA7}" type="datetimeFigureOut">
               <a:rPr kumimoji="1" lang="ko-KR" altLang="en-US" smtClean="0"/>
-              <a:t>2022. 9. 26.</a:t>
+              <a:t>2022. 10. 17.</a:t>
             </a:fld>
             <a:endParaRPr kumimoji="1" lang="ko-KR" altLang="en-US"/>
           </a:p>
@@ -3138,7 +3138,7 @@
         </p:blipFill>
         <p:spPr>
           <a:xfrm>
-            <a:off x="1653743" y="1872820"/>
+            <a:off x="1552721" y="1988728"/>
             <a:ext cx="444843" cy="444843"/>
           </a:xfrm>
           <a:prstGeom prst="rect">
@@ -3168,7 +3168,7 @@
         </p:blipFill>
         <p:spPr>
           <a:xfrm>
-            <a:off x="2047833" y="1649713"/>
+            <a:off x="1946811" y="1765621"/>
             <a:ext cx="444843" cy="444843"/>
           </a:xfrm>
           <a:prstGeom prst="rect">
@@ -3198,50 +3198,14 @@
         </p:blipFill>
         <p:spPr>
           <a:xfrm>
-            <a:off x="3352763" y="1909891"/>
-            <a:ext cx="1136142" cy="594581"/>
+            <a:off x="3471717" y="1851027"/>
+            <a:ext cx="985498" cy="515744"/>
           </a:xfrm>
           <a:prstGeom prst="rect">
             <a:avLst/>
           </a:prstGeom>
         </p:spPr>
       </p:pic>
-      <p:sp>
-        <p:nvSpPr>
-          <p:cNvPr id="8" name="TextBox 7">
-            <a:extLst>
-              <a:ext uri="{FF2B5EF4-FFF2-40B4-BE49-F238E27FC236}">
-                <a16:creationId xmlns:a16="http://schemas.microsoft.com/office/drawing/2014/main" id="{5077C650-5992-3F4E-A17B-2D1DB1F4D21D}"/>
-              </a:ext>
-            </a:extLst>
-          </p:cNvPr>
-          <p:cNvSpPr txBox="1"/>
-          <p:nvPr/>
-        </p:nvSpPr>
-        <p:spPr>
-          <a:xfrm>
-            <a:off x="3319885" y="1540559"/>
-            <a:ext cx="1243161" cy="369332"/>
-          </a:xfrm>
-          <a:prstGeom prst="rect">
-            <a:avLst/>
-          </a:prstGeom>
-          <a:noFill/>
-        </p:spPr>
-        <p:txBody>
-          <a:bodyPr wrap="none" rtlCol="0">
-            <a:spAutoFit/>
-          </a:bodyPr>
-          <a:lstStyle/>
-          <a:p>
-            <a:r>
-              <a:rPr kumimoji="1" lang="en-US" altLang="ko-KR" dirty="0"/>
-              <a:t>API server</a:t>
-            </a:r>
-            <a:endParaRPr kumimoji="1" lang="ko-KR" altLang="en-US" dirty="0"/>
-          </a:p>
-        </p:txBody>
-      </p:sp>
       <p:pic>
         <p:nvPicPr>
           <p:cNvPr id="9" name="그림 8">
@@ -3264,7 +3228,7 @@
         </p:blipFill>
         <p:spPr>
           <a:xfrm>
-            <a:off x="4073428" y="3412029"/>
+            <a:off x="3857698" y="3673379"/>
             <a:ext cx="972345" cy="483115"/>
           </a:xfrm>
           <a:prstGeom prst="rect">
@@ -3294,8 +3258,8 @@
         </p:blipFill>
         <p:spPr>
           <a:xfrm>
-            <a:off x="5530657" y="1476035"/>
-            <a:ext cx="640119" cy="520355"/>
+            <a:off x="5611762" y="1665677"/>
+            <a:ext cx="406829" cy="330713"/>
           </a:xfrm>
           <a:prstGeom prst="rect">
             <a:avLst/>
@@ -3324,8 +3288,8 @@
         </p:blipFill>
         <p:spPr>
           <a:xfrm>
-            <a:off x="5388922" y="2142657"/>
-            <a:ext cx="923587" cy="501047"/>
+            <a:off x="5459579" y="2051021"/>
+            <a:ext cx="711197" cy="385825"/>
           </a:xfrm>
           <a:prstGeom prst="rect">
             <a:avLst/>
@@ -3354,8 +3318,8 @@
         </p:blipFill>
         <p:spPr>
           <a:xfrm>
-            <a:off x="6312509" y="3376089"/>
-            <a:ext cx="1136142" cy="594581"/>
+            <a:off x="2434269" y="3514380"/>
+            <a:ext cx="607639" cy="317998"/>
           </a:xfrm>
           <a:prstGeom prst="rect">
             <a:avLst/>
@@ -3378,8 +3342,8 @@
         </p:nvCxnSpPr>
         <p:spPr>
           <a:xfrm>
-            <a:off x="4343400" y="2643704"/>
-            <a:ext cx="216200" cy="558262"/>
+            <a:off x="4272705" y="2760385"/>
+            <a:ext cx="0" cy="861255"/>
           </a:xfrm>
           <a:prstGeom prst="straightConnector1">
             <a:avLst/>
@@ -3507,9 +3471,9 @@
           <p:nvPr/>
         </p:nvCxnSpPr>
         <p:spPr>
-          <a:xfrm>
-            <a:off x="5316589" y="3653586"/>
-            <a:ext cx="725105" cy="0"/>
+          <a:xfrm flipH="1" flipV="1">
+            <a:off x="3319885" y="3673379"/>
+            <a:ext cx="486546" cy="206867"/>
           </a:xfrm>
           <a:prstGeom prst="straightConnector1">
             <a:avLst/>
@@ -3550,7 +3514,7 @@
         </p:nvSpPr>
         <p:spPr>
           <a:xfrm>
-            <a:off x="4451500" y="2703664"/>
+            <a:off x="4272705" y="3278178"/>
             <a:ext cx="412292" cy="246221"/>
           </a:xfrm>
           <a:prstGeom prst="rect">
@@ -3586,7 +3550,7 @@
         </p:nvSpPr>
         <p:spPr>
           <a:xfrm>
-            <a:off x="5483414" y="3376089"/>
+            <a:off x="3440611" y="3512922"/>
             <a:ext cx="391454" cy="246221"/>
           </a:xfrm>
           <a:prstGeom prst="rect">
@@ -3630,7 +3594,7 @@
         </p:blipFill>
         <p:spPr>
           <a:xfrm>
-            <a:off x="2047833" y="2130983"/>
+            <a:off x="1946811" y="2246891"/>
             <a:ext cx="444843" cy="444843"/>
           </a:xfrm>
           <a:prstGeom prst="rect">
@@ -3660,7 +3624,7 @@
         </p:blipFill>
         <p:spPr>
           <a:xfrm>
-            <a:off x="3352763" y="2527023"/>
+            <a:off x="4390865" y="2257879"/>
             <a:ext cx="618916" cy="233362"/>
           </a:xfrm>
           <a:prstGeom prst="rect">
@@ -3683,9 +3647,9 @@
           <p:nvPr/>
         </p:nvCxnSpPr>
         <p:spPr>
-          <a:xfrm flipH="1">
-            <a:off x="3388411" y="2837431"/>
-            <a:ext cx="121354" cy="364535"/>
+          <a:xfrm>
+            <a:off x="4563046" y="2504472"/>
+            <a:ext cx="851912" cy="798526"/>
           </a:xfrm>
           <a:prstGeom prst="straightConnector1">
             <a:avLst/>
@@ -3734,7 +3698,7 @@
         </p:blipFill>
         <p:spPr>
           <a:xfrm>
-            <a:off x="1627098" y="3279012"/>
+            <a:off x="6013386" y="3527860"/>
             <a:ext cx="395635" cy="496887"/>
           </a:xfrm>
           <a:prstGeom prst="rect">
@@ -3764,7 +3728,7 @@
         </p:blipFill>
         <p:spPr>
           <a:xfrm>
-            <a:off x="2391654" y="3279012"/>
+            <a:off x="5476203" y="2951631"/>
             <a:ext cx="501620" cy="482401"/>
           </a:xfrm>
           <a:prstGeom prst="rect">
@@ -3794,7 +3758,7 @@
         </p:blipFill>
         <p:spPr>
           <a:xfrm>
-            <a:off x="3175687" y="3279012"/>
+            <a:off x="5308095" y="3536588"/>
             <a:ext cx="418918" cy="478763"/>
           </a:xfrm>
           <a:prstGeom prst="rect">
@@ -3817,9 +3781,9 @@
           <p:nvPr/>
         </p:nvCxnSpPr>
         <p:spPr>
-          <a:xfrm flipH="1">
-            <a:off x="2861777" y="3527456"/>
-            <a:ext cx="158488" cy="0"/>
+          <a:xfrm flipH="1" flipV="1">
+            <a:off x="5870200" y="3389179"/>
+            <a:ext cx="163340" cy="138681"/>
           </a:xfrm>
           <a:prstGeom prst="straightConnector1">
             <a:avLst/>
@@ -3857,17 +3821,367 @@
           </p:cNvPr>
           <p:cNvCxnSpPr>
             <a:cxnSpLocks/>
-            <a:endCxn id="28" idx="3"/>
+            <a:stCxn id="32" idx="3"/>
+            <a:endCxn id="28" idx="1"/>
           </p:cNvCxnSpPr>
           <p:nvPr/>
         </p:nvCxnSpPr>
         <p:spPr>
-          <a:xfrm flipH="1">
-            <a:off x="2022733" y="3527456"/>
-            <a:ext cx="241930" cy="0"/>
+          <a:xfrm>
+            <a:off x="5727013" y="3775970"/>
+            <a:ext cx="286373" cy="334"/>
           </a:xfrm>
           <a:prstGeom prst="straightConnector1">
             <a:avLst/>
+          </a:prstGeom>
+          <a:ln>
+            <a:solidFill>
+              <a:schemeClr val="tx1"/>
+            </a:solidFill>
+            <a:tailEnd type="triangle"/>
+          </a:ln>
+        </p:spPr>
+        <p:style>
+          <a:lnRef idx="1">
+            <a:schemeClr val="accent1"/>
+          </a:lnRef>
+          <a:fillRef idx="0">
+            <a:schemeClr val="accent1"/>
+          </a:fillRef>
+          <a:effectRef idx="0">
+            <a:schemeClr val="accent1"/>
+          </a:effectRef>
+          <a:fontRef idx="minor">
+            <a:schemeClr val="tx1"/>
+          </a:fontRef>
+        </p:style>
+      </p:cxnSp>
+      <p:pic>
+        <p:nvPicPr>
+          <p:cNvPr id="27" name="그림 26">
+            <a:extLst>
+              <a:ext uri="{FF2B5EF4-FFF2-40B4-BE49-F238E27FC236}">
+                <a16:creationId xmlns:a16="http://schemas.microsoft.com/office/drawing/2014/main" id="{E5BAF0F7-BB2C-CF43-A409-71E80111404C}"/>
+              </a:ext>
+            </a:extLst>
+          </p:cNvPr>
+          <p:cNvPicPr>
+            <a:picLocks noChangeAspect="1"/>
+          </p:cNvPicPr>
+          <p:nvPr/>
+        </p:nvPicPr>
+        <p:blipFill>
+          <a:blip r:embed="rId3"/>
+          <a:stretch>
+            <a:fillRect/>
+          </a:stretch>
+        </p:blipFill>
+        <p:spPr>
+          <a:xfrm>
+            <a:off x="2434269" y="4093188"/>
+            <a:ext cx="607639" cy="317998"/>
+          </a:xfrm>
+          <a:prstGeom prst="rect">
+            <a:avLst/>
+          </a:prstGeom>
+        </p:spPr>
+      </p:pic>
+      <p:sp>
+        <p:nvSpPr>
+          <p:cNvPr id="29" name="TextBox 28">
+            <a:extLst>
+              <a:ext uri="{FF2B5EF4-FFF2-40B4-BE49-F238E27FC236}">
+                <a16:creationId xmlns:a16="http://schemas.microsoft.com/office/drawing/2014/main" id="{AE7E4A9B-38EA-954D-A3A1-ABA2A1022779}"/>
+              </a:ext>
+            </a:extLst>
+          </p:cNvPr>
+          <p:cNvSpPr txBox="1"/>
+          <p:nvPr/>
+        </p:nvSpPr>
+        <p:spPr>
+          <a:xfrm>
+            <a:off x="2321948" y="3303676"/>
+            <a:ext cx="827471" cy="246221"/>
+          </a:xfrm>
+          <a:prstGeom prst="rect">
+            <a:avLst/>
+          </a:prstGeom>
+          <a:noFill/>
+        </p:spPr>
+        <p:txBody>
+          <a:bodyPr wrap="none" rtlCol="0">
+            <a:spAutoFit/>
+          </a:bodyPr>
+          <a:lstStyle/>
+          <a:p>
+            <a:r>
+              <a:rPr kumimoji="1" lang="en-US" altLang="ko-KR" sz="1000" dirty="0"/>
+              <a:t>mail-server</a:t>
+            </a:r>
+            <a:endParaRPr kumimoji="1" lang="ko-KR" altLang="en-US" sz="1000" dirty="0"/>
+          </a:p>
+        </p:txBody>
+      </p:sp>
+      <p:sp>
+        <p:nvSpPr>
+          <p:cNvPr id="31" name="TextBox 30">
+            <a:extLst>
+              <a:ext uri="{FF2B5EF4-FFF2-40B4-BE49-F238E27FC236}">
+                <a16:creationId xmlns:a16="http://schemas.microsoft.com/office/drawing/2014/main" id="{10F93546-A6A9-FD40-90C1-CBE46334EB93}"/>
+              </a:ext>
+            </a:extLst>
+          </p:cNvPr>
+          <p:cNvSpPr txBox="1"/>
+          <p:nvPr/>
+        </p:nvSpPr>
+        <p:spPr>
+          <a:xfrm>
+            <a:off x="2263048" y="3884260"/>
+            <a:ext cx="1079142" cy="246221"/>
+          </a:xfrm>
+          <a:prstGeom prst="rect">
+            <a:avLst/>
+          </a:prstGeom>
+          <a:noFill/>
+        </p:spPr>
+        <p:txBody>
+          <a:bodyPr wrap="none" rtlCol="0">
+            <a:spAutoFit/>
+          </a:bodyPr>
+          <a:lstStyle/>
+          <a:p>
+            <a:r>
+              <a:rPr kumimoji="1" lang="en-US" altLang="ko-KR" sz="1000" dirty="0"/>
+              <a:t>statistics-server</a:t>
+            </a:r>
+            <a:endParaRPr kumimoji="1" lang="ko-KR" altLang="en-US" sz="1000" dirty="0"/>
+          </a:p>
+        </p:txBody>
+      </p:sp>
+      <p:cxnSp>
+        <p:nvCxnSpPr>
+          <p:cNvPr id="34" name="직선 화살표 연결선 33">
+            <a:extLst>
+              <a:ext uri="{FF2B5EF4-FFF2-40B4-BE49-F238E27FC236}">
+                <a16:creationId xmlns:a16="http://schemas.microsoft.com/office/drawing/2014/main" id="{C85565E9-E608-E44C-9D16-754F29C45AE6}"/>
+              </a:ext>
+            </a:extLst>
+          </p:cNvPr>
+          <p:cNvCxnSpPr>
+            <a:cxnSpLocks/>
+          </p:cNvCxnSpPr>
+          <p:nvPr/>
+        </p:nvCxnSpPr>
+        <p:spPr>
+          <a:xfrm flipH="1">
+            <a:off x="3319885" y="3952911"/>
+            <a:ext cx="486546" cy="243089"/>
+          </a:xfrm>
+          <a:prstGeom prst="straightConnector1">
+            <a:avLst/>
+          </a:prstGeom>
+          <a:ln>
+            <a:solidFill>
+              <a:schemeClr val="tx1"/>
+            </a:solidFill>
+            <a:tailEnd type="triangle"/>
+          </a:ln>
+        </p:spPr>
+        <p:style>
+          <a:lnRef idx="1">
+            <a:schemeClr val="accent1"/>
+          </a:lnRef>
+          <a:fillRef idx="0">
+            <a:schemeClr val="accent1"/>
+          </a:fillRef>
+          <a:effectRef idx="0">
+            <a:schemeClr val="accent1"/>
+          </a:effectRef>
+          <a:fontRef idx="minor">
+            <a:schemeClr val="tx1"/>
+          </a:fontRef>
+        </p:style>
+      </p:cxnSp>
+      <p:sp>
+        <p:nvSpPr>
+          <p:cNvPr id="43" name="TextBox 42">
+            <a:extLst>
+              <a:ext uri="{FF2B5EF4-FFF2-40B4-BE49-F238E27FC236}">
+                <a16:creationId xmlns:a16="http://schemas.microsoft.com/office/drawing/2014/main" id="{871934D7-8DB0-6E4B-A009-A380FBCE73CE}"/>
+              </a:ext>
+            </a:extLst>
+          </p:cNvPr>
+          <p:cNvSpPr txBox="1"/>
+          <p:nvPr/>
+        </p:nvSpPr>
+        <p:spPr>
+          <a:xfrm>
+            <a:off x="3609127" y="1665677"/>
+            <a:ext cx="827471" cy="246221"/>
+          </a:xfrm>
+          <a:prstGeom prst="rect">
+            <a:avLst/>
+          </a:prstGeom>
+          <a:noFill/>
+        </p:spPr>
+        <p:txBody>
+          <a:bodyPr wrap="none" rtlCol="0">
+            <a:spAutoFit/>
+          </a:bodyPr>
+          <a:lstStyle/>
+          <a:p>
+            <a:r>
+              <a:rPr kumimoji="1" lang="en-US" altLang="ko-KR" sz="1000" dirty="0"/>
+              <a:t>mall-server</a:t>
+            </a:r>
+            <a:endParaRPr kumimoji="1" lang="ko-KR" altLang="en-US" sz="1000" dirty="0"/>
+          </a:p>
+        </p:txBody>
+      </p:sp>
+      <p:pic>
+        <p:nvPicPr>
+          <p:cNvPr id="44" name="그림 43">
+            <a:extLst>
+              <a:ext uri="{FF2B5EF4-FFF2-40B4-BE49-F238E27FC236}">
+                <a16:creationId xmlns:a16="http://schemas.microsoft.com/office/drawing/2014/main" id="{835453EC-CF78-9E45-937E-76CFCE93E273}"/>
+              </a:ext>
+            </a:extLst>
+          </p:cNvPr>
+          <p:cNvPicPr>
+            <a:picLocks noChangeAspect="1"/>
+          </p:cNvPicPr>
+          <p:nvPr/>
+        </p:nvPicPr>
+        <p:blipFill>
+          <a:blip r:embed="rId6"/>
+          <a:stretch>
+            <a:fillRect/>
+          </a:stretch>
+        </p:blipFill>
+        <p:spPr>
+          <a:xfrm>
+            <a:off x="3175687" y="4411186"/>
+            <a:ext cx="639501" cy="346930"/>
+          </a:xfrm>
+          <a:prstGeom prst="rect">
+            <a:avLst/>
+          </a:prstGeom>
+        </p:spPr>
+      </p:pic>
+      <p:cxnSp>
+        <p:nvCxnSpPr>
+          <p:cNvPr id="45" name="직선 화살표 연결선 44">
+            <a:extLst>
+              <a:ext uri="{FF2B5EF4-FFF2-40B4-BE49-F238E27FC236}">
+                <a16:creationId xmlns:a16="http://schemas.microsoft.com/office/drawing/2014/main" id="{7FD05927-8023-9044-B0F6-A196E35C2496}"/>
+              </a:ext>
+            </a:extLst>
+          </p:cNvPr>
+          <p:cNvCxnSpPr>
+            <a:cxnSpLocks/>
+          </p:cNvCxnSpPr>
+          <p:nvPr/>
+        </p:nvCxnSpPr>
+        <p:spPr>
+          <a:xfrm>
+            <a:off x="2913448" y="4411186"/>
+            <a:ext cx="235971" cy="141960"/>
+          </a:xfrm>
+          <a:prstGeom prst="straightConnector1">
+            <a:avLst/>
+          </a:prstGeom>
+          <a:ln>
+            <a:solidFill>
+              <a:schemeClr val="tx1"/>
+            </a:solidFill>
+            <a:headEnd type="triangle"/>
+            <a:tailEnd type="triangle"/>
+          </a:ln>
+        </p:spPr>
+        <p:style>
+          <a:lnRef idx="1">
+            <a:schemeClr val="accent1"/>
+          </a:lnRef>
+          <a:fillRef idx="0">
+            <a:schemeClr val="accent1"/>
+          </a:fillRef>
+          <a:effectRef idx="0">
+            <a:schemeClr val="accent1"/>
+          </a:effectRef>
+          <a:fontRef idx="minor">
+            <a:schemeClr val="tx1"/>
+          </a:fontRef>
+        </p:style>
+      </p:cxnSp>
+      <p:cxnSp>
+        <p:nvCxnSpPr>
+          <p:cNvPr id="49" name="꺾인 연결선[E] 48">
+            <a:extLst>
+              <a:ext uri="{FF2B5EF4-FFF2-40B4-BE49-F238E27FC236}">
+                <a16:creationId xmlns:a16="http://schemas.microsoft.com/office/drawing/2014/main" id="{B5EFB2E2-A28C-AE4C-A1FA-24997E362233}"/>
+              </a:ext>
+            </a:extLst>
+          </p:cNvPr>
+          <p:cNvCxnSpPr>
+            <a:cxnSpLocks/>
+          </p:cNvCxnSpPr>
+          <p:nvPr/>
+        </p:nvCxnSpPr>
+        <p:spPr>
+          <a:xfrm rot="16200000" flipV="1">
+            <a:off x="1635002" y="3072197"/>
+            <a:ext cx="998757" cy="375135"/>
+          </a:xfrm>
+          <a:prstGeom prst="bentConnector3">
+            <a:avLst>
+              <a:gd name="adj1" fmla="val -24"/>
+            </a:avLst>
+          </a:prstGeom>
+          <a:ln>
+            <a:solidFill>
+              <a:schemeClr val="tx1"/>
+            </a:solidFill>
+            <a:tailEnd type="triangle"/>
+          </a:ln>
+        </p:spPr>
+        <p:style>
+          <a:lnRef idx="1">
+            <a:schemeClr val="accent1"/>
+          </a:lnRef>
+          <a:fillRef idx="0">
+            <a:schemeClr val="accent1"/>
+          </a:fillRef>
+          <a:effectRef idx="0">
+            <a:schemeClr val="accent1"/>
+          </a:effectRef>
+          <a:fontRef idx="minor">
+            <a:schemeClr val="tx1"/>
+          </a:fontRef>
+        </p:style>
+      </p:cxnSp>
+      <p:cxnSp>
+        <p:nvCxnSpPr>
+          <p:cNvPr id="53" name="꺾인 연결선[E] 52">
+            <a:extLst>
+              <a:ext uri="{FF2B5EF4-FFF2-40B4-BE49-F238E27FC236}">
+                <a16:creationId xmlns:a16="http://schemas.microsoft.com/office/drawing/2014/main" id="{7DEE5631-4E9B-2D4A-996B-3A915EA44DDA}"/>
+              </a:ext>
+            </a:extLst>
+          </p:cNvPr>
+          <p:cNvCxnSpPr>
+            <a:cxnSpLocks/>
+          </p:cNvCxnSpPr>
+          <p:nvPr/>
+        </p:nvCxnSpPr>
+        <p:spPr>
+          <a:xfrm rot="16200000" flipV="1">
+            <a:off x="1213260" y="3224903"/>
+            <a:ext cx="1481024" cy="414686"/>
+          </a:xfrm>
+          <a:prstGeom prst="bentConnector3">
+            <a:avLst>
+              <a:gd name="adj1" fmla="val -284"/>
+            </a:avLst>
           </a:prstGeom>
           <a:ln>
             <a:solidFill>
